--- a/training-cards/agile moves/Workshops (WOR)/ger/apprentice/ger_WOR_02_Wie_gut_sind_wir_AM_A.pptx
+++ b/training-cards/agile moves/Workshops (WOR)/ger/apprentice/ger_WOR_02_Wie_gut_sind_wir_AM_A.pptx
@@ -3850,6 +3850,14 @@
               <a:rPr lang="de-DE" dirty="0" err="1" smtClean="0"/>
               <a:t>Brandhuber</a:t>
             </a:r>
+            <a:r>
+              <a:rPr lang="de-DE" dirty="0" smtClean="0"/>
+              <a:t>, </a:t>
+            </a:r>
+            <a:r>
+              <a:rPr lang="de-DE" smtClean="0"/>
+              <a:t>Silke Kainzbauer</a:t>
+            </a:r>
             <a:endParaRPr lang="de-DE" dirty="0"/>
           </a:p>
         </p:txBody>
@@ -4206,324 +4214,417 @@
           <a:p>
             <a:pPr>
               <a:lnSpc>
-                <a:spcPts val="1300"/>
+                <a:spcPts val="1200"/>
+              </a:lnSpc>
+              <a:spcBef>
+                <a:spcPts val="600"/>
+              </a:spcBef>
+            </a:pPr>
+            <a:r>
+              <a:rPr lang="de-DE" dirty="0" smtClean="0">
+                <a:latin typeface="Avenir Heavy"/>
+                <a:cs typeface="Avenir Heavy"/>
+              </a:rPr>
+              <a:t>Material: </a:t>
+            </a:r>
+            <a:r>
+              <a:rPr lang="de-DE" dirty="0" err="1" smtClean="0"/>
+              <a:t>Planning</a:t>
+            </a:r>
+            <a:r>
+              <a:rPr lang="de-DE" dirty="0" smtClean="0"/>
+              <a:t> </a:t>
+            </a:r>
+            <a:r>
+              <a:rPr lang="de-DE" dirty="0"/>
+              <a:t>Poker Karten mit T-Shirt Größen XS, S, M, L, XL, XXL, XXXL für jeden </a:t>
+            </a:r>
+            <a:r>
+              <a:rPr lang="de-DE" dirty="0" smtClean="0"/>
+              <a:t>Teilnehmer</a:t>
+            </a:r>
+            <a:endParaRPr lang="de-DE" dirty="0"/>
+          </a:p>
+          <a:p>
+            <a:pPr>
+              <a:lnSpc>
+                <a:spcPts val="1200"/>
+              </a:lnSpc>
+              <a:spcBef>
+                <a:spcPts val="600"/>
+              </a:spcBef>
+            </a:pPr>
+            <a:r>
+              <a:rPr lang="de-DE" dirty="0" smtClean="0">
+                <a:latin typeface="Avenir Heavy"/>
+                <a:cs typeface="Avenir Heavy"/>
+              </a:rPr>
+              <a:t>Zeit: </a:t>
+            </a:r>
+            <a:r>
+              <a:rPr lang="de-DE" dirty="0" smtClean="0"/>
+              <a:t>mind. 90 Minuten</a:t>
+            </a:r>
+          </a:p>
+          <a:p>
+            <a:pPr>
+              <a:lnSpc>
+                <a:spcPts val="1200"/>
+              </a:lnSpc>
+              <a:spcBef>
+                <a:spcPts val="600"/>
+              </a:spcBef>
+            </a:pPr>
+            <a:r>
+              <a:rPr lang="de-DE" dirty="0" smtClean="0"/>
+              <a:t>Nehmt </a:t>
+            </a:r>
+            <a:r>
+              <a:rPr lang="de-DE" dirty="0"/>
+              <a:t>die überarbeitete Fähigkeiten-Story </a:t>
+            </a:r>
+            <a:r>
+              <a:rPr lang="de-DE" dirty="0" err="1"/>
+              <a:t>Map</a:t>
+            </a:r>
+            <a:r>
+              <a:rPr lang="de-DE" dirty="0"/>
+              <a:t> als Grundlage. Wichtig ist, </a:t>
+            </a:r>
+            <a:r>
+              <a:rPr lang="de-DE" dirty="0" smtClean="0"/>
+              <a:t>dass die Version, die in den Workshop einfließt, alle </a:t>
+            </a:r>
+            <a:r>
+              <a:rPr lang="de-DE" dirty="0"/>
+              <a:t>Argumente </a:t>
+            </a:r>
+            <a:r>
+              <a:rPr lang="de-DE" dirty="0" smtClean="0"/>
+              <a:t>berücksichtigt und sich jeder Teilnehmer mit ihr wohlfühlt.</a:t>
+            </a:r>
+            <a:endParaRPr lang="de-DE" dirty="0"/>
+          </a:p>
+          <a:p>
+            <a:pPr>
+              <a:lnSpc>
+                <a:spcPts val="1200"/>
+              </a:lnSpc>
+              <a:spcBef>
+                <a:spcPts val="600"/>
+              </a:spcBef>
+            </a:pPr>
+            <a:r>
+              <a:rPr lang="de-DE" dirty="0" smtClean="0"/>
+              <a:t>Nun beginnt ein Fähigkeiten-</a:t>
+            </a:r>
+            <a:r>
+              <a:rPr lang="de-DE" dirty="0" err="1" smtClean="0"/>
+              <a:t>Planning</a:t>
+            </a:r>
+            <a:r>
+              <a:rPr lang="de-DE" dirty="0" smtClean="0"/>
+              <a:t> Poker. Nehmt </a:t>
+            </a:r>
+            <a:r>
+              <a:rPr lang="de-DE" dirty="0"/>
+              <a:t>die </a:t>
+            </a:r>
+            <a:r>
+              <a:rPr lang="de-DE" dirty="0" err="1"/>
+              <a:t>Planning</a:t>
+            </a:r>
+            <a:r>
+              <a:rPr lang="de-DE" dirty="0"/>
+              <a:t> Poker Karten und gebt damit eine Einschätzung ab, wie sehr eine bestimmte Fähigkeit im Team ausgeprägt ist. S steht für sehr wenig und XXXL für herausragend gut ausgeprägt.</a:t>
+            </a:r>
+          </a:p>
+          <a:p>
+            <a:pPr>
+              <a:lnSpc>
+                <a:spcPts val="1200"/>
+              </a:lnSpc>
+              <a:spcBef>
+                <a:spcPts val="600"/>
+              </a:spcBef>
+            </a:pPr>
+            <a:r>
+              <a:rPr lang="de-DE" dirty="0"/>
+              <a:t>Wie beim echten </a:t>
+            </a:r>
+            <a:r>
+              <a:rPr lang="de-DE" dirty="0" err="1"/>
+              <a:t>Planning</a:t>
+            </a:r>
+            <a:r>
+              <a:rPr lang="de-DE" dirty="0"/>
+              <a:t> Poker heben alle Teilnehmer </a:t>
+            </a:r>
+            <a:r>
+              <a:rPr lang="de-DE" dirty="0" smtClean="0"/>
+              <a:t>pro Fähigkeit gleichzeitig ihre Karte </a:t>
+            </a:r>
+            <a:r>
+              <a:rPr lang="de-DE" dirty="0"/>
+              <a:t>hoch. Derjenige mit der höchsten und der </a:t>
+            </a:r>
+            <a:r>
+              <a:rPr lang="de-DE" dirty="0" smtClean="0"/>
+              <a:t>mit der niedrigsten </a:t>
+            </a:r>
+            <a:r>
+              <a:rPr lang="de-DE" dirty="0"/>
+              <a:t>Bewertung äußert seine Argumente. </a:t>
+            </a:r>
+            <a:endParaRPr lang="de-DE" dirty="0" smtClean="0"/>
+          </a:p>
+          <a:p>
+            <a:pPr>
+              <a:lnSpc>
+                <a:spcPts val="1200"/>
+              </a:lnSpc>
+              <a:spcBef>
+                <a:spcPts val="600"/>
+              </a:spcBef>
+            </a:pPr>
+            <a:r>
+              <a:rPr lang="de-DE" dirty="0" smtClean="0"/>
+              <a:t>Diskutiert die verschiedenen Sichtweisen. Diese </a:t>
+            </a:r>
+            <a:r>
+              <a:rPr lang="de-DE" dirty="0"/>
+              <a:t>Diskussionen </a:t>
+            </a:r>
+            <a:r>
+              <a:rPr lang="de-DE" dirty="0" smtClean="0"/>
+              <a:t>mit dem Austausch der Perspektiven sind </a:t>
+            </a:r>
+            <a:r>
+              <a:rPr lang="de-DE" dirty="0"/>
+              <a:t>das Wertvollste in diesem </a:t>
+            </a:r>
+            <a:r>
+              <a:rPr lang="de-DE" dirty="0" smtClean="0"/>
+              <a:t>Workshop, denn das Team kann sich auf diese mit den unterschiedlichen Sichtweisen auseinandersetzen und zu einer </a:t>
+            </a:r>
+            <a:r>
+              <a:rPr lang="de-DE" dirty="0" err="1" smtClean="0"/>
+              <a:t>fundierteren</a:t>
+            </a:r>
+            <a:r>
+              <a:rPr lang="de-DE" dirty="0" smtClean="0"/>
+              <a:t> </a:t>
+            </a:r>
+            <a:r>
+              <a:rPr lang="de-DE" dirty="0"/>
+              <a:t>B</a:t>
+            </a:r>
+            <a:r>
+              <a:rPr lang="de-DE" dirty="0" smtClean="0"/>
+              <a:t>ewertung kommen.</a:t>
+            </a:r>
+          </a:p>
+          <a:p>
+            <a:pPr>
+              <a:lnSpc>
+                <a:spcPts val="1200"/>
+              </a:lnSpc>
+              <a:spcBef>
+                <a:spcPts val="600"/>
+              </a:spcBef>
+            </a:pPr>
+            <a:r>
+              <a:rPr lang="de-DE" dirty="0" smtClean="0"/>
+              <a:t>Bewertet </a:t>
+            </a:r>
+            <a:r>
+              <a:rPr lang="de-DE" dirty="0"/>
+              <a:t>nach einer kurzen Diskussionsrunde </a:t>
+            </a:r>
+            <a:r>
+              <a:rPr lang="de-DE" dirty="0" smtClean="0"/>
+              <a:t>noch einmal </a:t>
+            </a:r>
+            <a:r>
+              <a:rPr lang="de-DE" dirty="0"/>
+              <a:t>und wiederholt </a:t>
+            </a:r>
+            <a:r>
+              <a:rPr lang="de-DE" dirty="0" smtClean="0"/>
+              <a:t>dieses</a:t>
+            </a:r>
+            <a:br>
+              <a:rPr lang="de-DE" dirty="0" smtClean="0"/>
+            </a:br>
+            <a:r>
+              <a:rPr lang="de-DE" dirty="0" smtClean="0"/>
+              <a:t> </a:t>
+            </a:r>
+            <a:r>
+              <a:rPr lang="de-DE" dirty="0"/>
+              <a:t>Vorgehen </a:t>
+            </a:r>
+            <a:r>
+              <a:rPr lang="de-DE" dirty="0" smtClean="0"/>
+              <a:t>solange, </a:t>
+            </a:r>
+            <a:r>
+              <a:rPr lang="de-DE" dirty="0"/>
+              <a:t>bis Ihr Euch als Team auf eine gemeinsame Größe einigen könnt. </a:t>
+            </a:r>
+          </a:p>
+          <a:p>
+            <a:pPr>
+              <a:lnSpc>
+                <a:spcPts val="1200"/>
+              </a:lnSpc>
+              <a:spcBef>
+                <a:spcPts val="600"/>
+              </a:spcBef>
+            </a:pPr>
+            <a:r>
+              <a:rPr lang="de-DE" dirty="0" smtClean="0"/>
+              <a:t>Nachdem Ihr auch </a:t>
+            </a:r>
+            <a:r>
+              <a:rPr lang="de-DE" dirty="0"/>
+              <a:t>das Backbone der Story </a:t>
+            </a:r>
+            <a:r>
+              <a:rPr lang="de-DE" dirty="0" err="1"/>
+              <a:t>Map</a:t>
+            </a:r>
+            <a:r>
+              <a:rPr lang="de-DE" dirty="0"/>
+              <a:t> </a:t>
+            </a:r>
+            <a:r>
+              <a:rPr lang="de-DE" dirty="0" smtClean="0"/>
+              <a:t>– die Oberbegriffe der Cluster - </a:t>
+            </a:r>
+            <a:r>
+              <a:rPr lang="de-DE" dirty="0" err="1" smtClean="0"/>
+              <a:t>beschätzt</a:t>
+            </a:r>
+            <a:r>
+              <a:rPr lang="de-DE" dirty="0" smtClean="0"/>
+              <a:t> habt, </a:t>
+            </a:r>
+            <a:br>
+              <a:rPr lang="de-DE" dirty="0" smtClean="0"/>
+            </a:br>
+            <a:r>
+              <a:rPr lang="de-DE" dirty="0" smtClean="0"/>
+              <a:t>könnt </a:t>
+            </a:r>
+            <a:r>
+              <a:rPr lang="de-DE" dirty="0"/>
+              <a:t>ihr daraus ein Radar Chart generieren. Jede </a:t>
+            </a:r>
+            <a:r>
+              <a:rPr lang="de-DE" dirty="0" err="1"/>
+              <a:t>Fähigkeitenkategorie</a:t>
+            </a:r>
+            <a:r>
+              <a:rPr lang="de-DE" dirty="0"/>
+              <a:t> ist eine Achse im Radar </a:t>
+            </a:r>
+            <a:r>
+              <a:rPr lang="de-DE" dirty="0" smtClean="0"/>
+              <a:t>Chart (vgl. </a:t>
+            </a:r>
+            <a:r>
+              <a:rPr lang="de-DE" dirty="0" err="1" smtClean="0"/>
+              <a:t>Skill</a:t>
+            </a:r>
+            <a:r>
+              <a:rPr lang="de-DE" dirty="0" smtClean="0"/>
+              <a:t> </a:t>
+            </a:r>
+            <a:r>
+              <a:rPr lang="de-DE" dirty="0"/>
+              <a:t>R</a:t>
+            </a:r>
+            <a:r>
+              <a:rPr lang="de-DE" dirty="0" smtClean="0"/>
+              <a:t>adar (TEA 06), wobei die Werte nun aus dem </a:t>
+            </a:r>
+            <a:r>
+              <a:rPr lang="de-DE" dirty="0" err="1" smtClean="0"/>
+              <a:t>Planning</a:t>
+            </a:r>
+            <a:r>
+              <a:rPr lang="de-DE" dirty="0" smtClean="0"/>
+              <a:t> Poker kommen).</a:t>
+            </a:r>
+          </a:p>
+          <a:p>
+            <a:pPr>
+              <a:lnSpc>
+                <a:spcPts val="1400"/>
               </a:lnSpc>
               <a:spcBef>
                 <a:spcPts val="800"/>
               </a:spcBef>
             </a:pPr>
             <a:r>
-              <a:rPr lang="de-DE" dirty="0" smtClean="0">
-                <a:latin typeface="Avenir Heavy"/>
-                <a:cs typeface="Avenir Heavy"/>
-              </a:rPr>
-              <a:t>Material: </a:t>
-            </a:r>
-            <a:r>
-              <a:rPr lang="de-DE" dirty="0" err="1" smtClean="0"/>
-              <a:t>Planning</a:t>
-            </a:r>
-            <a:r>
-              <a:rPr lang="de-DE" dirty="0" smtClean="0"/>
+              <a:rPr lang="de-DE" dirty="0"/>
+              <a:t>Arbeitet nach dem Workshop mit dem Move "Drain </a:t>
+            </a:r>
+            <a:r>
+              <a:rPr lang="de-DE" dirty="0" err="1"/>
+              <a:t>Snake</a:t>
+            </a:r>
+            <a:r>
+              <a:rPr lang="de-DE" dirty="0"/>
+              <a:t>" (XXX 99) weiter und pflegt die neuen Erkenntnisse 2 Mal pro Woche in einem kurzen Stand </a:t>
+            </a:r>
+            <a:r>
+              <a:rPr lang="de-DE" dirty="0" err="1"/>
+              <a:t>Up</a:t>
+            </a:r>
+            <a:r>
+              <a:rPr lang="de-DE" dirty="0"/>
               <a:t> </a:t>
             </a:r>
             <a:r>
+              <a:rPr lang="de-DE" dirty="0" err="1"/>
+              <a:t>meeting</a:t>
+            </a:r>
+            <a:r>
               <a:rPr lang="de-DE" dirty="0"/>
-              <a:t>Poker Karten mit T-Shirt Größen XS, S, M, L, XL, XXL, XXXL für jeden </a:t>
-            </a:r>
-            <a:r>
-              <a:rPr lang="de-DE" dirty="0" smtClean="0"/>
-              <a:t>Teilnehmer</a:t>
-            </a:r>
-            <a:endParaRPr lang="de-DE" dirty="0"/>
+              <a:t> mit dem gesamten Team in die Story </a:t>
+            </a:r>
+            <a:r>
+              <a:rPr lang="de-DE" dirty="0" err="1"/>
+              <a:t>Map</a:t>
+            </a:r>
+            <a:r>
+              <a:rPr lang="de-DE" dirty="0"/>
+              <a:t> ein.</a:t>
+            </a:r>
           </a:p>
           <a:p>
             <a:pPr>
               <a:lnSpc>
-                <a:spcPts val="1300"/>
+                <a:spcPts val="1200"/>
+              </a:lnSpc>
+            </a:pPr>
+            <a:endParaRPr lang="de-DE" dirty="0"/>
+          </a:p>
+          <a:p>
+            <a:pPr>
+              <a:lnSpc>
+                <a:spcPts val="1200"/>
               </a:lnSpc>
               <a:spcBef>
-                <a:spcPts val="800"/>
+                <a:spcPts val="600"/>
               </a:spcBef>
             </a:pPr>
             <a:r>
-              <a:rPr lang="de-DE" dirty="0" smtClean="0">
-                <a:latin typeface="Avenir Heavy"/>
-                <a:cs typeface="Avenir Heavy"/>
-              </a:rPr>
-              <a:t>Zeit: </a:t>
-            </a:r>
-            <a:r>
-              <a:rPr lang="de-DE" dirty="0" smtClean="0"/>
-              <a:t>mind. 90 Minuten</a:t>
-            </a:r>
-          </a:p>
-          <a:p>
-            <a:pPr>
-              <a:lnSpc>
-                <a:spcPts val="1300"/>
-              </a:lnSpc>
-              <a:spcBef>
-                <a:spcPts val="800"/>
-              </a:spcBef>
-            </a:pPr>
-            <a:r>
-              <a:rPr lang="de-DE" dirty="0" smtClean="0"/>
-              <a:t>Nehmt </a:t>
-            </a:r>
-            <a:r>
               <a:rPr lang="de-DE" dirty="0"/>
-              <a:t>die überarbeitete Fähigkeiten-Story </a:t>
-            </a:r>
-            <a:r>
-              <a:rPr lang="de-DE" dirty="0" err="1"/>
-              <a:t>Map</a:t>
-            </a:r>
-            <a:r>
-              <a:rPr lang="de-DE" dirty="0"/>
-              <a:t> als Grundlage. Wichtig ist, </a:t>
-            </a:r>
-            <a:r>
-              <a:rPr lang="de-DE" dirty="0" smtClean="0"/>
-              <a:t>dass die Version, die in den Workshop einfließt, alle </a:t>
-            </a:r>
-            <a:r>
-              <a:rPr lang="de-DE" dirty="0"/>
-              <a:t>Argumente </a:t>
-            </a:r>
-            <a:r>
-              <a:rPr lang="de-DE" dirty="0" smtClean="0"/>
-              <a:t>berücksichtigt und sich jeder Teilnehmer mit ihr wohlfühlt.</a:t>
-            </a:r>
-            <a:endParaRPr lang="de-DE" dirty="0"/>
-          </a:p>
-          <a:p>
-            <a:pPr>
-              <a:lnSpc>
-                <a:spcPts val="1300"/>
-              </a:lnSpc>
-              <a:spcBef>
-                <a:spcPts val="800"/>
-              </a:spcBef>
-            </a:pPr>
-            <a:r>
-              <a:rPr lang="de-DE" dirty="0" smtClean="0"/>
-              <a:t>Nun beginnt ein Fähigkeiten-</a:t>
-            </a:r>
-            <a:r>
-              <a:rPr lang="de-DE" dirty="0" err="1" smtClean="0"/>
-              <a:t>Planning</a:t>
-            </a:r>
-            <a:r>
-              <a:rPr lang="de-DE" dirty="0" smtClean="0"/>
-              <a:t> Poker. Nehmt </a:t>
-            </a:r>
-            <a:r>
-              <a:rPr lang="de-DE" dirty="0"/>
-              <a:t>die </a:t>
-            </a:r>
-            <a:r>
-              <a:rPr lang="de-DE" dirty="0" err="1"/>
-              <a:t>Planning</a:t>
-            </a:r>
-            <a:r>
-              <a:rPr lang="de-DE" dirty="0"/>
-              <a:t> Poker Karten und gebt damit eine Einschätzung ab, wie sehr eine bestimmte Fähigkeit im Team ausgeprägt ist. S steht für sehr wenig und XXXL für herausragend gut ausgeprägt.</a:t>
-            </a:r>
-            <a:endParaRPr lang="de-DE" dirty="0"/>
-          </a:p>
-          <a:p>
-            <a:pPr>
-              <a:lnSpc>
-                <a:spcPts val="1300"/>
-              </a:lnSpc>
-              <a:spcBef>
-                <a:spcPts val="800"/>
-              </a:spcBef>
-            </a:pPr>
-            <a:r>
-              <a:rPr lang="de-DE" dirty="0"/>
-              <a:t>Wie beim echten </a:t>
-            </a:r>
-            <a:r>
-              <a:rPr lang="de-DE" dirty="0" err="1"/>
-              <a:t>Planning</a:t>
-            </a:r>
-            <a:r>
-              <a:rPr lang="de-DE" dirty="0"/>
-              <a:t> Poker heben alle Teilnehmer </a:t>
-            </a:r>
-            <a:r>
-              <a:rPr lang="de-DE" dirty="0" smtClean="0"/>
-              <a:t>pro Fähigkeit gleichzeitig ihre Karte </a:t>
-            </a:r>
-            <a:r>
-              <a:rPr lang="de-DE" dirty="0"/>
-              <a:t>hoch. Derjenige mit der höchsten und der </a:t>
-            </a:r>
-            <a:r>
-              <a:rPr lang="de-DE" dirty="0" smtClean="0"/>
-              <a:t>mit der niedrigsten </a:t>
-            </a:r>
-            <a:r>
-              <a:rPr lang="de-DE" dirty="0"/>
-              <a:t>Bewertung äußert seine Argumente. </a:t>
-            </a:r>
-            <a:endParaRPr lang="de-DE" dirty="0" smtClean="0"/>
-          </a:p>
-          <a:p>
-            <a:pPr>
-              <a:lnSpc>
-                <a:spcPts val="1300"/>
-              </a:lnSpc>
-              <a:spcBef>
-                <a:spcPts val="800"/>
-              </a:spcBef>
-            </a:pPr>
-            <a:r>
-              <a:rPr lang="de-DE" dirty="0" smtClean="0"/>
-              <a:t>Diskutiert die verschiedenen Sichtweisen. Diese </a:t>
-            </a:r>
-            <a:r>
-              <a:rPr lang="de-DE" dirty="0"/>
-              <a:t>Diskussionen </a:t>
-            </a:r>
-            <a:r>
-              <a:rPr lang="de-DE" dirty="0" smtClean="0"/>
-              <a:t>mit dem Austausch der Perspektiven sind </a:t>
-            </a:r>
-            <a:r>
-              <a:rPr lang="de-DE" dirty="0"/>
-              <a:t>das Wertvollste in diesem </a:t>
-            </a:r>
-            <a:r>
-              <a:rPr lang="de-DE" dirty="0" smtClean="0"/>
-              <a:t>Workshop, denn das Team kann sich auf diese mit den unterschiedlichen Sichtweisen auseinandersetzen und zu einer </a:t>
-            </a:r>
-            <a:r>
-              <a:rPr lang="de-DE" dirty="0" err="1" smtClean="0"/>
-              <a:t>fundierteren</a:t>
-            </a:r>
-            <a:r>
-              <a:rPr lang="de-DE" dirty="0" smtClean="0"/>
-              <a:t> </a:t>
-            </a:r>
-            <a:r>
-              <a:rPr lang="de-DE" dirty="0"/>
-              <a:t>B</a:t>
-            </a:r>
-            <a:r>
-              <a:rPr lang="de-DE" dirty="0" smtClean="0"/>
-              <a:t>ewertung kommen.</a:t>
-            </a:r>
-          </a:p>
-          <a:p>
-            <a:pPr>
-              <a:lnSpc>
-                <a:spcPts val="1300"/>
-              </a:lnSpc>
-              <a:spcBef>
-                <a:spcPts val="800"/>
-              </a:spcBef>
-            </a:pPr>
-            <a:r>
-              <a:rPr lang="de-DE" dirty="0" smtClean="0"/>
-              <a:t>Bewertet </a:t>
-            </a:r>
-            <a:r>
-              <a:rPr lang="de-DE" dirty="0"/>
-              <a:t>nach einer kurzen Diskussionsrunde </a:t>
-            </a:r>
-            <a:r>
-              <a:rPr lang="de-DE" dirty="0" smtClean="0"/>
-              <a:t>noch einmal </a:t>
-            </a:r>
-            <a:r>
-              <a:rPr lang="de-DE" dirty="0"/>
-              <a:t>und wiederholt </a:t>
-            </a:r>
-            <a:r>
-              <a:rPr lang="de-DE" dirty="0" smtClean="0"/>
-              <a:t>dieses</a:t>
-            </a:r>
-            <a:br>
-              <a:rPr lang="de-DE" dirty="0" smtClean="0"/>
-            </a:br>
-            <a:r>
-              <a:rPr lang="de-DE" dirty="0" smtClean="0"/>
-              <a:t> </a:t>
-            </a:r>
-            <a:r>
-              <a:rPr lang="de-DE" dirty="0"/>
-              <a:t>Vorgehen </a:t>
-            </a:r>
-            <a:r>
-              <a:rPr lang="de-DE" dirty="0" smtClean="0"/>
-              <a:t>solange, </a:t>
-            </a:r>
-            <a:r>
-              <a:rPr lang="de-DE" dirty="0"/>
-              <a:t>bis Ihr Euch als Team auf eine gemeinsame Größe einigen könnt. </a:t>
-            </a:r>
-            <a:endParaRPr lang="de-DE" dirty="0"/>
-          </a:p>
-          <a:p>
-            <a:pPr>
-              <a:lnSpc>
-                <a:spcPts val="1300"/>
-              </a:lnSpc>
-              <a:spcBef>
-                <a:spcPts val="800"/>
-              </a:spcBef>
-            </a:pPr>
-            <a:r>
-              <a:rPr lang="de-DE" dirty="0" smtClean="0"/>
-              <a:t>Nachdem Ihr auch </a:t>
-            </a:r>
-            <a:r>
-              <a:rPr lang="de-DE" dirty="0"/>
-              <a:t>das Backbone der Story </a:t>
-            </a:r>
-            <a:r>
-              <a:rPr lang="de-DE" dirty="0" err="1"/>
-              <a:t>Map</a:t>
-            </a:r>
-            <a:r>
-              <a:rPr lang="de-DE" dirty="0"/>
-              <a:t> </a:t>
-            </a:r>
-            <a:r>
-              <a:rPr lang="de-DE" dirty="0" smtClean="0"/>
-              <a:t>– die Oberbegriffe der Cluster - </a:t>
-            </a:r>
-            <a:r>
-              <a:rPr lang="de-DE" dirty="0" err="1" smtClean="0"/>
-              <a:t>beschätzt</a:t>
-            </a:r>
-            <a:r>
-              <a:rPr lang="de-DE" dirty="0" smtClean="0"/>
-              <a:t> habt, </a:t>
-            </a:r>
-            <a:br>
-              <a:rPr lang="de-DE" dirty="0" smtClean="0"/>
-            </a:br>
-            <a:r>
-              <a:rPr lang="de-DE" dirty="0" smtClean="0"/>
-              <a:t>könnt </a:t>
-            </a:r>
-            <a:r>
-              <a:rPr lang="de-DE" dirty="0"/>
-              <a:t>ihr daraus ein Radar Chart generieren. Jede </a:t>
-            </a:r>
-            <a:r>
-              <a:rPr lang="de-DE" dirty="0" err="1"/>
-              <a:t>Fähigkeitenkategorie</a:t>
-            </a:r>
-            <a:r>
-              <a:rPr lang="de-DE" dirty="0"/>
-              <a:t> ist eine Achse im Radar Chart. </a:t>
-            </a:r>
-            <a:endParaRPr lang="de-DE" dirty="0"/>
+              <a:t> </a:t>
+            </a:r>
           </a:p>
         </p:txBody>
       </p:sp>

--- a/training-cards/agile moves/Workshops (WOR)/ger/apprentice/ger_WOR_02_Wie_gut_sind_wir_AM_A.pptx
+++ b/training-cards/agile moves/Workshops (WOR)/ger/apprentice/ger_WOR_02_Wie_gut_sind_wir_AM_A.pptx
@@ -1053,7 +1053,7 @@
         </p:blipFill>
         <p:spPr>
           <a:xfrm>
-            <a:off x="6294053" y="3735303"/>
+            <a:off x="6326448" y="3443703"/>
             <a:ext cx="939800" cy="914400"/>
           </a:xfrm>
           <a:prstGeom prst="rect">
@@ -3852,11 +3852,7 @@
             </a:r>
             <a:r>
               <a:rPr lang="de-DE" dirty="0" smtClean="0"/>
-              <a:t>, </a:t>
-            </a:r>
-            <a:r>
-              <a:rPr lang="de-DE" smtClean="0"/>
-              <a:t>Silke Kainzbauer</a:t>
+              <a:t>, Silke Kainzbauer</a:t>
             </a:r>
             <a:endParaRPr lang="de-DE" dirty="0"/>
           </a:p>
@@ -3889,52 +3885,52 @@
                 <a:spcPts val="1400"/>
               </a:lnSpc>
               <a:spcBef>
-                <a:spcPts val="800"/>
+                <a:spcPts val="600"/>
               </a:spcBef>
             </a:pPr>
             <a:r>
-              <a:rPr lang="de-DE" sz="1100" b="1" dirty="0" smtClean="0">
+              <a:rPr lang="de-DE" b="1" dirty="0" smtClean="0">
                 <a:latin typeface="Avenir Heavy"/>
                 <a:cs typeface="Avenir Heavy"/>
               </a:rPr>
               <a:t>Input</a:t>
             </a:r>
             <a:r>
-              <a:rPr lang="de-DE" sz="1100" b="1" dirty="0">
+              <a:rPr lang="de-DE" b="1" dirty="0">
                 <a:latin typeface="Avenir Heavy"/>
                 <a:cs typeface="Avenir Heavy"/>
               </a:rPr>
               <a:t>:</a:t>
             </a:r>
             <a:r>
-              <a:rPr lang="de-DE" sz="1100" dirty="0">
+              <a:rPr lang="de-DE" dirty="0">
                 <a:latin typeface="Avenir Heavy"/>
                 <a:cs typeface="Avenir Heavy"/>
               </a:rPr>
               <a:t> </a:t>
             </a:r>
             <a:r>
-              <a:rPr lang="de-DE" sz="1100" dirty="0"/>
+              <a:rPr lang="de-DE" dirty="0"/>
               <a:t>Fähigkeiten-Story </a:t>
             </a:r>
             <a:r>
-              <a:rPr lang="de-DE" sz="1100" dirty="0" err="1"/>
+              <a:rPr lang="de-DE" dirty="0" err="1"/>
               <a:t>Map</a:t>
             </a:r>
             <a:r>
-              <a:rPr lang="de-DE" sz="1100" dirty="0"/>
+              <a:rPr lang="de-DE" dirty="0"/>
               <a:t> (</a:t>
             </a:r>
             <a:r>
-              <a:rPr lang="de-DE" sz="1100" dirty="0" smtClean="0"/>
+              <a:rPr lang="de-DE" dirty="0" smtClean="0"/>
               <a:t>siehe </a:t>
             </a:r>
             <a:r>
-              <a:rPr lang="de-DE" sz="1100" dirty="0"/>
+              <a:rPr lang="de-DE" dirty="0"/>
               <a:t>WOR 01</a:t>
             </a:r>
             <a:r>
-              <a:rPr lang="de-DE" sz="1100" dirty="0" smtClean="0"/>
+              <a:rPr lang="de-DE" dirty="0" smtClean="0"/>
               <a:t>)</a:t>
             </a:r>
           </a:p>
@@ -3944,45 +3940,53 @@
                 <a:spcPts val="1400"/>
               </a:lnSpc>
               <a:spcBef>
-                <a:spcPts val="800"/>
+                <a:spcPts val="600"/>
               </a:spcBef>
             </a:pPr>
             <a:r>
-              <a:rPr lang="de-DE" sz="1100" b="1" dirty="0" smtClean="0">
+              <a:rPr lang="de-DE" b="1" dirty="0" smtClean="0">
                 <a:latin typeface="Avenir Heavy"/>
                 <a:cs typeface="Avenir Heavy"/>
               </a:rPr>
               <a:t>Output</a:t>
             </a:r>
             <a:r>
-              <a:rPr lang="de-DE" sz="1100" b="1" dirty="0">
+              <a:rPr lang="de-DE" b="1" dirty="0">
                 <a:latin typeface="Avenir Heavy"/>
                 <a:cs typeface="Avenir Heavy"/>
               </a:rPr>
               <a:t>:</a:t>
             </a:r>
             <a:r>
-              <a:rPr lang="de-DE" sz="1100" dirty="0"/>
+              <a:rPr lang="de-DE" dirty="0"/>
               <a:t> </a:t>
             </a:r>
             <a:r>
-              <a:rPr lang="de-DE" sz="1100" dirty="0" err="1"/>
-              <a:t>beschätzte</a:t>
-            </a:r>
-            <a:r>
-              <a:rPr lang="de-DE" sz="1100" dirty="0"/>
-              <a:t> Fähigkeiten-Story </a:t>
-            </a:r>
-            <a:r>
-              <a:rPr lang="de-DE" sz="1100" dirty="0" err="1"/>
+              <a:rPr lang="de-DE" dirty="0" err="1"/>
+              <a:t>B</a:t>
+            </a:r>
+            <a:r>
+              <a:rPr lang="de-DE" dirty="0" err="1" smtClean="0"/>
+              <a:t>eschätzte</a:t>
+            </a:r>
+            <a:r>
+              <a:rPr lang="de-DE" dirty="0" smtClean="0"/>
+              <a:t> </a:t>
+            </a:r>
+            <a:r>
+              <a:rPr lang="de-DE" dirty="0"/>
+              <a:t>Fähigkeiten-Story </a:t>
+            </a:r>
+            <a:r>
+              <a:rPr lang="de-DE" dirty="0" err="1"/>
               <a:t>Map</a:t>
             </a:r>
             <a:r>
-              <a:rPr lang="de-DE" sz="1100" dirty="0"/>
+              <a:rPr lang="de-DE" dirty="0"/>
               <a:t>, Fähigkeiten-Radar </a:t>
             </a:r>
             <a:r>
-              <a:rPr lang="de-DE" sz="1100" dirty="0" smtClean="0"/>
+              <a:rPr lang="de-DE" dirty="0" smtClean="0"/>
               <a:t>Chart</a:t>
             </a:r>
           </a:p>
@@ -3992,13 +3996,45 @@
                 <a:spcPts val="1400"/>
               </a:lnSpc>
               <a:spcBef>
-                <a:spcPts val="800"/>
+                <a:spcPts val="600"/>
               </a:spcBef>
             </a:pPr>
             <a:r>
-              <a:rPr lang="de-DE" sz="1100" dirty="0"/>
-              <a:t>Um eine Treppe zu bauen muss erst einmal Maß genommen werden. Um ein passendes Teamtraining zu schneidern auch.</a:t>
-            </a:r>
+              <a:rPr lang="de-DE" dirty="0"/>
+              <a:t>Um eine Treppe zu </a:t>
+            </a:r>
+            <a:r>
+              <a:rPr lang="de-DE" dirty="0" smtClean="0"/>
+              <a:t>bauen, </a:t>
+            </a:r>
+            <a:r>
+              <a:rPr lang="de-DE" dirty="0"/>
+              <a:t>muss erst einmal Maß genommen werden. </a:t>
+            </a:r>
+            <a:r>
+              <a:rPr lang="de-DE" dirty="0" smtClean="0"/>
+              <a:t/>
+            </a:r>
+            <a:br>
+              <a:rPr lang="de-DE" dirty="0" smtClean="0"/>
+            </a:br>
+            <a:r>
+              <a:rPr lang="de-DE" dirty="0" smtClean="0"/>
+              <a:t>Um </a:t>
+            </a:r>
+            <a:r>
+              <a:rPr lang="de-DE" dirty="0"/>
+              <a:t>ein passendes Teamtraining zu </a:t>
+            </a:r>
+            <a:r>
+              <a:rPr lang="de-DE" dirty="0" smtClean="0"/>
+              <a:t>schneidern </a:t>
+            </a:r>
+            <a:r>
+              <a:rPr lang="de-DE" dirty="0" smtClean="0"/>
+              <a:t>auch.</a:t>
+            </a:r>
+            <a:endParaRPr lang="de-DE" dirty="0"/>
           </a:p>
           <a:p>
             <a:pPr>
@@ -4006,45 +4042,42 @@
                 <a:spcPts val="1400"/>
               </a:lnSpc>
               <a:spcBef>
-                <a:spcPts val="800"/>
+                <a:spcPts val="600"/>
               </a:spcBef>
             </a:pPr>
             <a:r>
-              <a:rPr lang="de-DE" sz="1100" dirty="0"/>
-              <a:t>Wenn dem Team bekannt ist, welche Fähigkeiten sie </a:t>
-            </a:r>
-            <a:r>
-              <a:rPr lang="de-DE" sz="1100" dirty="0" smtClean="0"/>
-              <a:t>ihrer Meinung nach benötigen, um </a:t>
-            </a:r>
-            <a:r>
-              <a:rPr lang="de-DE" sz="1100" dirty="0"/>
-              <a:t>gute Software zu produzieren, ist </a:t>
-            </a:r>
-            <a:r>
-              <a:rPr lang="de-DE" sz="1100" dirty="0" smtClean="0"/>
-              <a:t>nun der </a:t>
-            </a:r>
-            <a:r>
-              <a:rPr lang="de-DE" sz="1100" dirty="0"/>
-              <a:t>nächste </a:t>
-            </a:r>
-            <a:r>
-              <a:rPr lang="de-DE" sz="1100" dirty="0" smtClean="0"/>
-              <a:t>Schritt </a:t>
-            </a:r>
-            <a:r>
-              <a:rPr lang="de-DE" sz="1100" dirty="0"/>
-              <a:t>herauszufinden, welche Fähigkeiten in welcher Form im </a:t>
-            </a:r>
-            <a:r>
-              <a:rPr lang="de-DE" sz="1100" dirty="0" smtClean="0"/>
-              <a:t>Team vorhanden und wie stark sie</a:t>
-            </a:r>
-            <a:r>
-              <a:rPr lang="de-DE" sz="1100" dirty="0"/>
-              <a:t> ausgeprägt sind.</a:t>
-            </a:r>
+              <a:rPr lang="de-DE" dirty="0" smtClean="0"/>
+              <a:t>Grundlage ist die aktualisierte Fähigkeiten-Story </a:t>
+            </a:r>
+            <a:r>
+              <a:rPr lang="de-DE" dirty="0" err="1"/>
+              <a:t>M</a:t>
+            </a:r>
+            <a:r>
+              <a:rPr lang="de-DE" dirty="0" err="1" smtClean="0"/>
+              <a:t>ap</a:t>
+            </a:r>
+            <a:r>
+              <a:rPr lang="de-DE" dirty="0" smtClean="0"/>
+              <a:t>, in die weitere Aspekte der Drain </a:t>
+            </a:r>
+            <a:r>
+              <a:rPr lang="de-DE" dirty="0" err="1" smtClean="0"/>
+              <a:t>Snake</a:t>
+            </a:r>
+            <a:r>
+              <a:rPr lang="de-DE" dirty="0" smtClean="0"/>
+              <a:t> (IDE 10)</a:t>
+            </a:r>
+            <a:r>
+              <a:rPr lang="de-DE" dirty="0"/>
+              <a:t> nach Diskussion und Teamkonsens </a:t>
+            </a:r>
+            <a:r>
+              <a:rPr lang="de-DE" dirty="0" smtClean="0"/>
+              <a:t>eingeflossen sind.</a:t>
+            </a:r>
+            <a:endParaRPr lang="de-DE" dirty="0"/>
           </a:p>
           <a:p>
             <a:pPr>
@@ -4052,56 +4085,44 @@
                 <a:spcPts val="1400"/>
               </a:lnSpc>
               <a:spcBef>
-                <a:spcPts val="800"/>
+                <a:spcPts val="600"/>
               </a:spcBef>
             </a:pPr>
             <a:r>
-              <a:rPr lang="de-DE" sz="1100" dirty="0"/>
-              <a:t>Die Meinung des Teams ist </a:t>
-            </a:r>
-            <a:r>
-              <a:rPr lang="de-DE" sz="1100" dirty="0" smtClean="0"/>
-              <a:t>maßgeblich</a:t>
-            </a:r>
-            <a:r>
-              <a:rPr lang="de-DE" sz="1100" dirty="0"/>
-              <a:t>. </a:t>
-            </a:r>
-            <a:r>
-              <a:rPr lang="de-DE" sz="1100" dirty="0" smtClean="0"/>
-              <a:t>Es ist an dieser Stelle wichtig, besonders auf das </a:t>
-            </a:r>
-            <a:r>
-              <a:rPr lang="de-DE" sz="1100" dirty="0"/>
-              <a:t>Gefühl, das das Team zu den eigenen Fähigkeiten hat, </a:t>
-            </a:r>
-            <a:r>
-              <a:rPr lang="de-DE" sz="1100" dirty="0" smtClean="0"/>
-              <a:t>zu achten. </a:t>
-            </a:r>
-            <a:r>
-              <a:rPr lang="de-DE" sz="1100" dirty="0"/>
-              <a:t>Dieses „Bauchgefühl“ bezieht mehr </a:t>
-            </a:r>
-            <a:r>
-              <a:rPr lang="de-DE" sz="1100" dirty="0" smtClean="0"/>
-              <a:t>wichtige implizite </a:t>
-            </a:r>
-            <a:r>
-              <a:rPr lang="de-DE" sz="1100" dirty="0"/>
-              <a:t>Informationen mit ein, als sich rational </a:t>
-            </a:r>
-            <a:r>
-              <a:rPr lang="de-DE" sz="1100" dirty="0" smtClean="0"/>
-              <a:t>erschließen und bewusst zugänglich sind. Es bringt außerdem das </a:t>
-            </a:r>
-            <a:r>
-              <a:rPr lang="de-DE" sz="1100" dirty="0"/>
-              <a:t>Bedürfnis zum Vorschein, wo sich das Team verbessern </a:t>
-            </a:r>
-            <a:r>
-              <a:rPr lang="de-DE" sz="1100" dirty="0" smtClean="0"/>
-              <a:t>möchte.</a:t>
+              <a:rPr lang="de-DE" dirty="0"/>
+              <a:t>Wenn dem Team bekannt ist, welche Fähigkeiten </a:t>
+            </a:r>
+            <a:r>
+              <a:rPr lang="de-DE" dirty="0" smtClean="0"/>
+              <a:t>es seiner Meinung nach benötigt, um </a:t>
+            </a:r>
+            <a:r>
+              <a:rPr lang="de-DE" dirty="0"/>
+              <a:t>gute Software zu produzieren, ist </a:t>
+            </a:r>
+            <a:r>
+              <a:rPr lang="de-DE" dirty="0" smtClean="0"/>
+              <a:t>der </a:t>
+            </a:r>
+            <a:r>
+              <a:rPr lang="de-DE" dirty="0"/>
+              <a:t>nächste </a:t>
+            </a:r>
+            <a:r>
+              <a:rPr lang="de-DE" dirty="0" smtClean="0"/>
+              <a:t>Schritt, </a:t>
+            </a:r>
+            <a:r>
+              <a:rPr lang="de-DE" dirty="0"/>
+              <a:t>herauszufinden, welche Fähigkeiten in welcher Form im </a:t>
+            </a:r>
+            <a:r>
+              <a:rPr lang="de-DE" dirty="0" smtClean="0"/>
+              <a:t>Team vorhanden und wie stark sie</a:t>
+            </a:r>
+            <a:r>
+              <a:rPr lang="de-DE" dirty="0"/>
+              <a:t> ausgeprägt sind.</a:t>
             </a:r>
           </a:p>
           <a:p>
@@ -4110,15 +4131,73 @@
                 <a:spcPts val="1400"/>
               </a:lnSpc>
               <a:spcBef>
-                <a:spcPts val="800"/>
+                <a:spcPts val="600"/>
               </a:spcBef>
             </a:pPr>
             <a:r>
-              <a:rPr lang="de-DE" sz="1100" dirty="0" smtClean="0"/>
+              <a:rPr lang="de-DE" dirty="0"/>
+              <a:t>Die Meinung des Teams ist </a:t>
+            </a:r>
+            <a:r>
+              <a:rPr lang="de-DE" dirty="0" smtClean="0"/>
+              <a:t>maßgeblich</a:t>
+            </a:r>
+            <a:r>
+              <a:rPr lang="de-DE" dirty="0"/>
+              <a:t>. </a:t>
+            </a:r>
+            <a:r>
+              <a:rPr lang="de-DE" dirty="0" smtClean="0"/>
+              <a:t>Es ist an dieser Stelle wichtig, besonders auf das innere Gefühl zu achten, das </a:t>
+            </a:r>
+            <a:r>
+              <a:rPr lang="de-DE" dirty="0"/>
+              <a:t>das Team zu den eigenen Fähigkeiten </a:t>
+            </a:r>
+            <a:r>
+              <a:rPr lang="de-DE" dirty="0" smtClean="0"/>
+              <a:t>hat. </a:t>
+            </a:r>
+            <a:r>
+              <a:rPr lang="de-DE" dirty="0"/>
+              <a:t>Dieses „Bauchgefühl“ bezieht </a:t>
+            </a:r>
+            <a:r>
+              <a:rPr lang="de-DE" dirty="0" smtClean="0"/>
+              <a:t>wichtige implizite </a:t>
+            </a:r>
+            <a:r>
+              <a:rPr lang="de-DE" dirty="0"/>
+              <a:t>Informationen mit ein, </a:t>
+            </a:r>
+            <a:r>
+              <a:rPr lang="de-DE" dirty="0" smtClean="0"/>
+              <a:t>die bewusst kaum zugänglich sind. Es bringt außerdem das </a:t>
+            </a:r>
+            <a:r>
+              <a:rPr lang="de-DE" dirty="0"/>
+              <a:t>Bedürfnis zum Vorschein, wo sich das Team verbessern </a:t>
+            </a:r>
+            <a:r>
+              <a:rPr lang="de-DE" dirty="0" smtClean="0"/>
+              <a:t>möchte.</a:t>
+            </a:r>
+          </a:p>
+          <a:p>
+            <a:pPr>
+              <a:lnSpc>
+                <a:spcPts val="1400"/>
+              </a:lnSpc>
+              <a:spcBef>
+                <a:spcPts val="600"/>
+              </a:spcBef>
+            </a:pPr>
+            <a:r>
+              <a:rPr lang="de-DE" dirty="0" smtClean="0"/>
               <a:t>Als </a:t>
             </a:r>
             <a:r>
-              <a:rPr lang="de-DE" sz="1100" dirty="0"/>
+              <a:rPr lang="de-DE" dirty="0"/>
               <a:t>Wahrnehmungsfragen können helfen:</a:t>
             </a:r>
           </a:p>
@@ -4128,11 +4207,11 @@
                 <a:spcPts val="1400"/>
               </a:lnSpc>
               <a:spcBef>
-                <a:spcPts val="800"/>
+                <a:spcPts val="600"/>
               </a:spcBef>
             </a:pPr>
             <a:r>
-              <a:rPr lang="de-DE" sz="1100" dirty="0"/>
+              <a:rPr lang="de-DE" dirty="0"/>
               <a:t>Wie gut können wir das, was wir können sollten? </a:t>
             </a:r>
           </a:p>
@@ -4142,25 +4221,25 @@
                 <a:spcPts val="1400"/>
               </a:lnSpc>
               <a:spcBef>
-                <a:spcPts val="800"/>
+                <a:spcPts val="600"/>
               </a:spcBef>
             </a:pPr>
             <a:r>
-              <a:rPr lang="de-DE" sz="1100" dirty="0"/>
+              <a:rPr lang="de-DE" dirty="0"/>
               <a:t>Wie gut ist das, was wir brauchen ausgeprägt?</a:t>
             </a:r>
           </a:p>
           <a:p>
             <a:pPr marL="0" indent="0">
               <a:lnSpc>
-                <a:spcPts val="1300"/>
+                <a:spcPts val="1400"/>
               </a:lnSpc>
               <a:spcBef>
                 <a:spcPts val="600"/>
               </a:spcBef>
               <a:buNone/>
             </a:pPr>
-            <a:endParaRPr lang="de-DE" sz="1100" dirty="0"/>
+            <a:endParaRPr lang="de-DE" dirty="0"/>
           </a:p>
         </p:txBody>
       </p:sp>
@@ -4202,7 +4281,7 @@
         </p:nvSpPr>
         <p:spPr>
           <a:xfrm>
-            <a:off x="858836" y="1436712"/>
+            <a:off x="858836" y="1385912"/>
             <a:ext cx="6382810" cy="3500178"/>
           </a:xfrm>
         </p:spPr>
@@ -4217,7 +4296,7 @@
                 <a:spcPts val="1200"/>
               </a:lnSpc>
               <a:spcBef>
-                <a:spcPts val="600"/>
+                <a:spcPts val="500"/>
               </a:spcBef>
             </a:pPr>
             <a:r>
@@ -4251,7 +4330,7 @@
                 <a:spcPts val="1200"/>
               </a:lnSpc>
               <a:spcBef>
-                <a:spcPts val="600"/>
+                <a:spcPts val="500"/>
               </a:spcBef>
             </a:pPr>
             <a:r>
@@ -4272,7 +4351,7 @@
                 <a:spcPts val="1200"/>
               </a:lnSpc>
               <a:spcBef>
-                <a:spcPts val="600"/>
+                <a:spcPts val="500"/>
               </a:spcBef>
             </a:pPr>
             <a:r>
@@ -4311,7 +4390,7 @@
                 <a:spcPts val="1200"/>
               </a:lnSpc>
               <a:spcBef>
-                <a:spcPts val="600"/>
+                <a:spcPts val="500"/>
               </a:spcBef>
             </a:pPr>
             <a:r>
@@ -4345,7 +4424,7 @@
                 <a:spcPts val="1200"/>
               </a:lnSpc>
               <a:spcBef>
-                <a:spcPts val="600"/>
+                <a:spcPts val="500"/>
               </a:spcBef>
             </a:pPr>
             <a:r>
@@ -4384,7 +4463,7 @@
                 <a:spcPts val="1200"/>
               </a:lnSpc>
               <a:spcBef>
-                <a:spcPts val="600"/>
+                <a:spcPts val="500"/>
               </a:spcBef>
             </a:pPr>
             <a:r>
@@ -4430,7 +4509,7 @@
                 <a:spcPts val="1200"/>
               </a:lnSpc>
               <a:spcBef>
-                <a:spcPts val="600"/>
+                <a:spcPts val="500"/>
               </a:spcBef>
             </a:pPr>
             <a:r>
@@ -4479,7 +4558,7 @@
                 <a:spcPts val="1200"/>
               </a:lnSpc>
               <a:spcBef>
-                <a:spcPts val="600"/>
+                <a:spcPts val="500"/>
               </a:spcBef>
             </a:pPr>
             <a:r>
@@ -4508,14 +4587,14 @@
             </a:r>
             <a:r>
               <a:rPr lang="de-DE" dirty="0" smtClean="0"/>
-              <a:t> habt, </a:t>
+              <a:t> </a:t>
             </a:r>
             <a:br>
               <a:rPr lang="de-DE" dirty="0" smtClean="0"/>
             </a:br>
             <a:r>
               <a:rPr lang="de-DE" dirty="0" smtClean="0"/>
-              <a:t>könnt </a:t>
+              <a:t>habt, könnt </a:t>
             </a:r>
             <a:r>
               <a:rPr lang="de-DE" dirty="0"/>
@@ -4527,7 +4606,22 @@
             </a:r>
             <a:r>
               <a:rPr lang="de-DE" dirty="0"/>
-              <a:t> ist eine Achse im Radar </a:t>
+              <a:t> ist eine Achse </a:t>
+            </a:r>
+            <a:r>
+              <a:rPr lang="de-DE" dirty="0" smtClean="0"/>
+              <a:t/>
+            </a:r>
+            <a:br>
+              <a:rPr lang="de-DE" dirty="0" smtClean="0"/>
+            </a:br>
+            <a:r>
+              <a:rPr lang="de-DE" dirty="0" smtClean="0"/>
+              <a:t>im </a:t>
+            </a:r>
+            <a:r>
+              <a:rPr lang="de-DE" dirty="0"/>
+              <a:t>Radar </a:t>
             </a:r>
             <a:r>
               <a:rPr lang="de-DE" dirty="0" smtClean="0"/>
@@ -4556,52 +4650,6 @@
             <a:r>
               <a:rPr lang="de-DE" dirty="0" smtClean="0"/>
               <a:t> Poker kommen).</a:t>
-            </a:r>
-          </a:p>
-          <a:p>
-            <a:pPr>
-              <a:lnSpc>
-                <a:spcPts val="1400"/>
-              </a:lnSpc>
-              <a:spcBef>
-                <a:spcPts val="800"/>
-              </a:spcBef>
-            </a:pPr>
-            <a:r>
-              <a:rPr lang="de-DE" dirty="0"/>
-              <a:t>Arbeitet nach dem Workshop mit dem Move "Drain </a:t>
-            </a:r>
-            <a:r>
-              <a:rPr lang="de-DE" dirty="0" err="1"/>
-              <a:t>Snake</a:t>
-            </a:r>
-            <a:r>
-              <a:rPr lang="de-DE" dirty="0"/>
-              <a:t>" (XXX 99) weiter und pflegt die neuen Erkenntnisse 2 Mal pro Woche in einem kurzen Stand </a:t>
-            </a:r>
-            <a:r>
-              <a:rPr lang="de-DE" dirty="0" err="1"/>
-              <a:t>Up</a:t>
-            </a:r>
-            <a:r>
-              <a:rPr lang="de-DE" dirty="0"/>
-              <a:t> </a:t>
-            </a:r>
-            <a:r>
-              <a:rPr lang="de-DE" dirty="0" err="1"/>
-              <a:t>meeting</a:t>
-            </a:r>
-            <a:r>
-              <a:rPr lang="de-DE" dirty="0"/>
-              <a:t> mit dem gesamten Team in die Story </a:t>
-            </a:r>
-            <a:r>
-              <a:rPr lang="de-DE" dirty="0" err="1"/>
-              <a:t>Map</a:t>
-            </a:r>
-            <a:r>
-              <a:rPr lang="de-DE" dirty="0"/>
-              <a:t> ein.</a:t>
             </a:r>
           </a:p>
           <a:p>
@@ -4609,6 +4657,68 @@
               <a:lnSpc>
                 <a:spcPts val="1200"/>
               </a:lnSpc>
+              <a:spcBef>
+                <a:spcPts val="500"/>
+              </a:spcBef>
+            </a:pPr>
+            <a:r>
+              <a:rPr lang="de-DE" dirty="0"/>
+              <a:t>Arbeitet nach dem Workshop mit dem Move "Drain </a:t>
+            </a:r>
+            <a:r>
+              <a:rPr lang="de-DE" dirty="0" err="1"/>
+              <a:t>Snake</a:t>
+            </a:r>
+            <a:r>
+              <a:rPr lang="de-DE" dirty="0"/>
+              <a:t>" (IDE 10) weiter und diskutiert die neuen Aspekte 2 Mal pro Woche in einem kurzen Stand </a:t>
+            </a:r>
+            <a:r>
+              <a:rPr lang="de-DE" dirty="0" err="1"/>
+              <a:t>Up</a:t>
+            </a:r>
+            <a:r>
+              <a:rPr lang="de-DE" dirty="0"/>
+              <a:t> </a:t>
+            </a:r>
+            <a:r>
+              <a:rPr lang="de-DE" dirty="0" err="1"/>
+              <a:t>meeting</a:t>
+            </a:r>
+            <a:r>
+              <a:rPr lang="de-DE" dirty="0"/>
+              <a:t> mit dem gesamten </a:t>
+            </a:r>
+            <a:r>
+              <a:rPr lang="de-DE" dirty="0" smtClean="0"/>
+              <a:t>Team und </a:t>
+            </a:r>
+            <a:r>
+              <a:rPr lang="de-DE" dirty="0" err="1" smtClean="0"/>
+              <a:t>modifizert</a:t>
+            </a:r>
+            <a:r>
+              <a:rPr lang="de-DE" dirty="0" smtClean="0"/>
+              <a:t> ggf. das </a:t>
+            </a:r>
+            <a:r>
+              <a:rPr lang="de-DE" dirty="0"/>
+              <a:t>R</a:t>
+            </a:r>
+            <a:r>
+              <a:rPr lang="de-DE" dirty="0" smtClean="0"/>
+              <a:t>adar Chart, so dass es für alle passt..</a:t>
+            </a:r>
+            <a:endParaRPr lang="de-DE" dirty="0"/>
+          </a:p>
+          <a:p>
+            <a:pPr>
+              <a:lnSpc>
+                <a:spcPts val="1200"/>
+              </a:lnSpc>
+              <a:spcBef>
+                <a:spcPts val="500"/>
+              </a:spcBef>
             </a:pPr>
             <a:endParaRPr lang="de-DE" dirty="0"/>
           </a:p>

--- a/training-cards/agile moves/Workshops (WOR)/ger/apprentice/ger_WOR_02_Wie_gut_sind_wir_AM_A.pptx
+++ b/training-cards/agile moves/Workshops (WOR)/ger/apprentice/ger_WOR_02_Wie_gut_sind_wir_AM_A.pptx
@@ -1053,7 +1053,7 @@
         </p:blipFill>
         <p:spPr>
           <a:xfrm>
-            <a:off x="6326448" y="3443703"/>
+            <a:off x="6176965" y="529015"/>
             <a:ext cx="939800" cy="914400"/>
           </a:xfrm>
           <a:prstGeom prst="rect">
@@ -1101,7 +1101,7 @@
                 <a:latin typeface="Avenir Light"/>
                 <a:cs typeface="Avenir Light"/>
               </a:rPr>
-              <a:t>27.11.15</a:t>
+              <a:t>28.06.16</a:t>
             </a:fld>
             <a:endParaRPr lang="de-DE" sz="600" dirty="0">
               <a:solidFill>
@@ -1755,7 +1755,7 @@
                 <a:latin typeface="Avenir Light"/>
                 <a:cs typeface="Avenir Light"/>
               </a:rPr>
-              <a:t>27.11.15</a:t>
+              <a:t>28.06.16</a:t>
             </a:fld>
             <a:endParaRPr lang="de-DE" sz="600" dirty="0">
               <a:solidFill>
@@ -1887,7 +1887,7 @@
                 <a:latin typeface="Avenir Light"/>
                 <a:cs typeface="Avenir Light"/>
               </a:rPr>
-              <a:t>27.11.15</a:t>
+              <a:t>28.06.16</a:t>
             </a:fld>
             <a:endParaRPr lang="de-DE" sz="600" dirty="0">
               <a:solidFill>
@@ -2514,7 +2514,7 @@
                 <a:latin typeface="Avenir Light"/>
                 <a:cs typeface="Avenir Light"/>
               </a:rPr>
-              <a:t>27.11.15</a:t>
+              <a:t>28.06.16</a:t>
             </a:fld>
             <a:endParaRPr lang="de-DE" sz="600" dirty="0">
               <a:solidFill>
@@ -2695,7 +2695,7 @@
                 <a:latin typeface="Avenir Light"/>
                 <a:cs typeface="Avenir Light"/>
               </a:rPr>
-              <a:t>27.11.15</a:t>
+              <a:t>28.06.16</a:t>
             </a:fld>
             <a:endParaRPr lang="de-DE" sz="600" dirty="0">
               <a:solidFill>
@@ -4001,38 +4001,35 @@
             </a:pPr>
             <a:r>
               <a:rPr lang="de-DE" dirty="0"/>
-              <a:t>Um eine Treppe zu </a:t>
+              <a:t>Grundlage für diesen Workshop ist die aktualisierte Fähigkeiten-Story </a:t>
+            </a:r>
+            <a:r>
+              <a:rPr lang="de-DE" dirty="0" err="1"/>
+              <a:t>Map</a:t>
+            </a:r>
+            <a:r>
+              <a:rPr lang="de-DE" dirty="0"/>
+              <a:t>, in die weitere Aspekte der </a:t>
             </a:r>
             <a:r>
               <a:rPr lang="de-DE" dirty="0" smtClean="0"/>
-              <a:t>bauen, </a:t>
+              <a:t>Drain </a:t>
+            </a:r>
+            <a:r>
+              <a:rPr lang="de-DE" dirty="0" err="1" smtClean="0"/>
+              <a:t>Snake</a:t>
+            </a:r>
+            <a:r>
+              <a:rPr lang="de-DE" dirty="0" smtClean="0"/>
+              <a:t> (IDE 10)] </a:t>
             </a:r>
             <a:r>
               <a:rPr lang="de-DE" dirty="0"/>
-              <a:t>muss erst einmal Maß genommen werden. </a:t>
+              <a:t>nach Diskussion und Teamkonsens eingeflossen sind</a:t>
             </a:r>
             <a:r>
               <a:rPr lang="de-DE" dirty="0" smtClean="0"/>
-              <a:t/>
-            </a:r>
-            <a:br>
-              <a:rPr lang="de-DE" dirty="0" smtClean="0"/>
-            </a:br>
-            <a:r>
-              <a:rPr lang="de-DE" dirty="0" smtClean="0"/>
-              <a:t>Um </a:t>
-            </a:r>
-            <a:r>
-              <a:rPr lang="de-DE" dirty="0"/>
-              <a:t>ein passendes Teamtraining zu </a:t>
-            </a:r>
-            <a:r>
-              <a:rPr lang="de-DE" dirty="0" smtClean="0"/>
-              <a:t>schneidern </a:t>
-            </a:r>
-            <a:r>
-              <a:rPr lang="de-DE" dirty="0" smtClean="0"/>
-              <a:t>auch.</a:t>
+              <a:t>.</a:t>
             </a:r>
             <a:endParaRPr lang="de-DE" dirty="0"/>
           </a:p>
@@ -4047,37 +4044,16 @@
             </a:pPr>
             <a:r>
               <a:rPr lang="de-DE" dirty="0" smtClean="0"/>
-              <a:t>Grundlage ist die aktualisierte Fähigkeiten-Story </a:t>
-            </a:r>
-            <a:r>
-              <a:rPr lang="de-DE" dirty="0" err="1"/>
-              <a:t>M</a:t>
-            </a:r>
-            <a:r>
-              <a:rPr lang="de-DE" dirty="0" err="1" smtClean="0"/>
-              <a:t>ap</a:t>
+              <a:t>Wenn </a:t>
+            </a:r>
+            <a:r>
+              <a:rPr lang="de-DE" dirty="0"/>
+              <a:t>dem Team bekannt ist, welche Fähigkeiten es seiner Meinung nach benötigt, um gute Software zu produzieren, ist der nächste Schritt, herauszufinden, welche Fähigkeiten in welcher Form im Team vorhanden und wie stark sie ausgeprägt sind</a:t>
             </a:r>
             <a:r>
               <a:rPr lang="de-DE" dirty="0" smtClean="0"/>
-              <a:t>, in die weitere Aspekte der Drain </a:t>
-            </a:r>
-            <a:r>
-              <a:rPr lang="de-DE" dirty="0" err="1" smtClean="0"/>
-              <a:t>Snake</a:t>
-            </a:r>
-            <a:r>
-              <a:rPr lang="de-DE" dirty="0" smtClean="0"/>
-              <a:t> (IDE 10)</a:t>
-            </a:r>
-            <a:r>
-              <a:rPr lang="de-DE" dirty="0"/>
-              <a:t> nach Diskussion und Teamkonsens </a:t>
-            </a:r>
-            <a:r>
-              <a:rPr lang="de-DE" dirty="0" smtClean="0"/>
-              <a:t>eingeflossen sind.</a:t>
-            </a:r>
-            <a:endParaRPr lang="de-DE" dirty="0"/>
+              <a:t>.</a:t>
+            </a:r>
           </a:p>
           <a:p>
             <a:pPr>
@@ -4089,40 +4065,12 @@
               </a:spcBef>
             </a:pPr>
             <a:r>
+              <a:rPr lang="de-DE" dirty="0" smtClean="0"/>
+              <a:t> </a:t>
+            </a:r>
+            <a:r>
               <a:rPr lang="de-DE" dirty="0"/>
-              <a:t>Wenn dem Team bekannt ist, welche Fähigkeiten </a:t>
-            </a:r>
-            <a:r>
-              <a:rPr lang="de-DE" dirty="0" smtClean="0"/>
-              <a:t>es seiner Meinung nach benötigt, um </a:t>
-            </a:r>
-            <a:r>
-              <a:rPr lang="de-DE" dirty="0"/>
-              <a:t>gute Software zu produzieren, ist </a:t>
-            </a:r>
-            <a:r>
-              <a:rPr lang="de-DE" dirty="0" smtClean="0"/>
-              <a:t>der </a:t>
-            </a:r>
-            <a:r>
-              <a:rPr lang="de-DE" dirty="0"/>
-              <a:t>nächste </a:t>
-            </a:r>
-            <a:r>
-              <a:rPr lang="de-DE" dirty="0" smtClean="0"/>
-              <a:t>Schritt, </a:t>
-            </a:r>
-            <a:r>
-              <a:rPr lang="de-DE" dirty="0"/>
-              <a:t>herauszufinden, welche Fähigkeiten in welcher Form im </a:t>
-            </a:r>
-            <a:r>
-              <a:rPr lang="de-DE" dirty="0" smtClean="0"/>
-              <a:t>Team vorhanden und wie stark sie</a:t>
-            </a:r>
-            <a:r>
-              <a:rPr lang="de-DE" dirty="0"/>
-              <a:t> ausgeprägt sind.</a:t>
+              <a:t>Die Meinung des Teams ist maßgeblich. </a:t>
             </a:r>
           </a:p>
           <a:p>
@@ -4135,66 +4083,12 @@
               </a:spcBef>
             </a:pPr>
             <a:r>
+              <a:rPr lang="de-DE" dirty="0" smtClean="0"/>
+              <a:t>Es </a:t>
+            </a:r>
+            <a:r>
               <a:rPr lang="de-DE" dirty="0"/>
-              <a:t>Die Meinung des Teams ist </a:t>
-            </a:r>
-            <a:r>
-              <a:rPr lang="de-DE" dirty="0" smtClean="0"/>
-              <a:t>maßgeblich</a:t>
-            </a:r>
-            <a:r>
-              <a:rPr lang="de-DE" dirty="0"/>
-              <a:t>. </a:t>
-            </a:r>
-            <a:r>
-              <a:rPr lang="de-DE" dirty="0" smtClean="0"/>
-              <a:t>Es ist an dieser Stelle wichtig, besonders auf das innere Gefühl zu achten, das </a:t>
-            </a:r>
-            <a:r>
-              <a:rPr lang="de-DE" dirty="0"/>
-              <a:t>das Team zu den eigenen Fähigkeiten </a:t>
-            </a:r>
-            <a:r>
-              <a:rPr lang="de-DE" dirty="0" smtClean="0"/>
-              <a:t>hat. </a:t>
-            </a:r>
-            <a:r>
-              <a:rPr lang="de-DE" dirty="0"/>
-              <a:t>Dieses „Bauchgefühl“ bezieht </a:t>
-            </a:r>
-            <a:r>
-              <a:rPr lang="de-DE" dirty="0" smtClean="0"/>
-              <a:t>wichtige implizite </a:t>
-            </a:r>
-            <a:r>
-              <a:rPr lang="de-DE" dirty="0"/>
-              <a:t>Informationen mit ein, </a:t>
-            </a:r>
-            <a:r>
-              <a:rPr lang="de-DE" dirty="0" smtClean="0"/>
-              <a:t>die bewusst kaum zugänglich sind. Es bringt außerdem das </a:t>
-            </a:r>
-            <a:r>
-              <a:rPr lang="de-DE" dirty="0"/>
-              <a:t>Bedürfnis zum Vorschein, wo sich das Team verbessern </a:t>
-            </a:r>
-            <a:r>
-              <a:rPr lang="de-DE" dirty="0" smtClean="0"/>
-              <a:t>möchte.</a:t>
-            </a:r>
-          </a:p>
-          <a:p>
-            <a:pPr>
-              <a:lnSpc>
-                <a:spcPts val="1400"/>
-              </a:lnSpc>
-              <a:spcBef>
-                <a:spcPts val="600"/>
-              </a:spcBef>
-            </a:pPr>
-            <a:r>
-              <a:rPr lang="de-DE" dirty="0" smtClean="0"/>
-              <a:t>Als </a:t>
+              <a:t>ist an dieser Stelle wichtig, auch auf das innere Gefühl zu achten, das das Team zu den eigenen Fähigkeiten hat. Dieses „Bauchgefühl“ bezieht wichtige implizite Informationen mit ein, die oft wenig bewusst sind. Als </a:t>
             </a:r>
             <a:r>
               <a:rPr lang="de-DE" dirty="0"/>
@@ -4355,12 +4249,8 @@
               </a:spcBef>
             </a:pPr>
             <a:r>
-              <a:rPr lang="de-DE" dirty="0" smtClean="0"/>
-              <a:t>Nehmt </a:t>
-            </a:r>
-            <a:r>
               <a:rPr lang="de-DE" dirty="0"/>
-              <a:t>die überarbeitete Fähigkeiten-Story </a:t>
+              <a:t>Grundlage des Workshops ist die überarbeitete Fähigkeiten-Story </a:t>
             </a:r>
             <a:r>
               <a:rPr lang="de-DE" dirty="0" err="1"/>
@@ -4368,21 +4258,12 @@
             </a:r>
             <a:r>
               <a:rPr lang="de-DE" dirty="0"/>
-              <a:t> als Grundlage. Wichtig ist, </a:t>
+              <a:t>. Wichtig ist, dass die Version, die in den Workshop einfließt, alle Argumente berücksichtigt, die seit dem letzten Workshop hinzugekommen sind und sich jeder Teilnehmer mit ihr wohl fühlt</a:t>
             </a:r>
             <a:r>
               <a:rPr lang="de-DE" dirty="0" smtClean="0"/>
-              <a:t>dass die Version, die in den Workshop einfließt, alle </a:t>
-            </a:r>
-            <a:r>
-              <a:rPr lang="de-DE" dirty="0"/>
-              <a:t>Argumente </a:t>
-            </a:r>
-            <a:r>
-              <a:rPr lang="de-DE" dirty="0" smtClean="0"/>
-              <a:t>berücksichtigt und sich jeder Teilnehmer mit ihr wohlfühlt.</a:t>
-            </a:r>
-            <a:endParaRPr lang="de-DE" dirty="0"/>
+              <a:t>.</a:t>
+            </a:r>
           </a:p>
           <a:p>
             <a:pPr>
@@ -4394,8 +4275,51 @@
               </a:spcBef>
             </a:pPr>
             <a:r>
+              <a:rPr lang="de-DE" dirty="0"/>
+              <a:t>In diesem Workshop wird </a:t>
+            </a:r>
+            <a:r>
               <a:rPr lang="de-DE" dirty="0" smtClean="0"/>
-              <a:t>Nun beginnt ein Fähigkeiten-</a:t>
+              <a:t>das </a:t>
+            </a:r>
+            <a:r>
+              <a:rPr lang="de-DE" dirty="0"/>
+              <a:t>Backbone der Story </a:t>
+            </a:r>
+            <a:r>
+              <a:rPr lang="de-DE" dirty="0" err="1"/>
+              <a:t>Map</a:t>
+            </a:r>
+            <a:r>
+              <a:rPr lang="de-DE" dirty="0"/>
+              <a:t>, also die Kategorien der </a:t>
+            </a:r>
+            <a:r>
+              <a:rPr lang="de-DE" dirty="0" smtClean="0"/>
+              <a:t/>
+            </a:r>
+            <a:br>
+              <a:rPr lang="de-DE" dirty="0" smtClean="0"/>
+            </a:br>
+            <a:r>
+              <a:rPr lang="de-DE" dirty="0" err="1" smtClean="0"/>
+              <a:t>geclusterten</a:t>
+            </a:r>
+            <a:r>
+              <a:rPr lang="de-DE" dirty="0" smtClean="0"/>
+              <a:t> </a:t>
+            </a:r>
+            <a:r>
+              <a:rPr lang="de-DE" dirty="0"/>
+              <a:t>und priorisierten </a:t>
+            </a:r>
+            <a:r>
+              <a:rPr lang="de-DE" dirty="0" err="1" smtClean="0"/>
+              <a:t>Fähigkeiten,mit</a:t>
+            </a:r>
+            <a:r>
+              <a:rPr lang="de-DE" dirty="0" smtClean="0"/>
+              <a:t> einem </a:t>
             </a:r>
             <a:r>
               <a:rPr lang="de-DE" dirty="0" err="1" smtClean="0"/>
@@ -4403,20 +4327,17 @@
             </a:r>
             <a:r>
               <a:rPr lang="de-DE" dirty="0" smtClean="0"/>
-              <a:t> Poker. Nehmt </a:t>
-            </a:r>
-            <a:r>
-              <a:rPr lang="de-DE" dirty="0"/>
-              <a:t>die </a:t>
+              <a:t> Poker  </a:t>
             </a:r>
             <a:r>
               <a:rPr lang="de-DE" dirty="0" err="1"/>
-              <a:t>Planning</a:t>
-            </a:r>
-            <a:r>
-              <a:rPr lang="de-DE" dirty="0"/>
-              <a:t> Poker Karten und gebt damit eine Einschätzung ab, wie sehr eine bestimmte Fähigkeit im Team ausgeprägt ist. S steht für sehr wenig und XXXL für herausragend gut ausgeprägt.</a:t>
-            </a:r>
+              <a:t>beschätzt</a:t>
+            </a:r>
+            <a:r>
+              <a:rPr lang="de-DE" dirty="0" smtClean="0"/>
+              <a:t>.</a:t>
+            </a:r>
+            <a:endParaRPr lang="de-DE" dirty="0"/>
           </a:p>
           <a:p>
             <a:pPr>
@@ -4428,8 +4349,16 @@
               </a:spcBef>
             </a:pPr>
             <a:r>
+              <a:rPr lang="de-DE" dirty="0" err="1" smtClean="0"/>
+              <a:t>Planning</a:t>
+            </a:r>
+            <a:r>
+              <a:rPr lang="de-DE" dirty="0" smtClean="0"/>
+              <a:t> Poker: Jeder bekommt </a:t>
+            </a:r>
+            <a:r>
               <a:rPr lang="de-DE" dirty="0"/>
-              <a:t>Wie beim echten </a:t>
+              <a:t>einen Satz </a:t>
             </a:r>
             <a:r>
               <a:rPr lang="de-DE" dirty="0" err="1"/>
@@ -4437,25 +4366,29 @@
             </a:r>
             <a:r>
               <a:rPr lang="de-DE" dirty="0"/>
-              <a:t> Poker heben alle Teilnehmer </a:t>
+              <a:t> Poker-Karten. Damit kann er eine Einschätzung abgeben, wie sehr </a:t>
             </a:r>
             <a:r>
               <a:rPr lang="de-DE" dirty="0" smtClean="0"/>
-              <a:t>pro Fähigkeit gleichzeitig ihre Karte </a:t>
+              <a:t>eine </a:t>
+            </a:r>
+            <a:r>
+              <a:rPr lang="de-DE" dirty="0" err="1" smtClean="0"/>
+              <a:t>Fähigkeitenkategorie</a:t>
+            </a:r>
+            <a:r>
+              <a:rPr lang="de-DE" dirty="0" smtClean="0"/>
+              <a:t> </a:t>
             </a:r>
             <a:r>
               <a:rPr lang="de-DE" dirty="0"/>
-              <a:t>hoch. Derjenige mit der höchsten und der </a:t>
+              <a:t>im Team ausgeprägt ist. XS steht dabei für "sehr wenig ausgeprägt" und XXL für "herausragend </a:t>
             </a:r>
             <a:r>
               <a:rPr lang="de-DE" dirty="0" smtClean="0"/>
-              <a:t>mit der niedrigsten </a:t>
-            </a:r>
-            <a:r>
-              <a:rPr lang="de-DE" dirty="0"/>
-              <a:t>Bewertung äußert seine Argumente. </a:t>
-            </a:r>
-            <a:endParaRPr lang="de-DE" dirty="0" smtClean="0"/>
+              <a:t>ausgeprägt“.</a:t>
+            </a:r>
+            <a:endParaRPr lang="de-DE" dirty="0"/>
           </a:p>
           <a:p>
             <a:pPr>
@@ -4468,39 +4401,39 @@
             </a:pPr>
             <a:r>
               <a:rPr lang="de-DE" dirty="0" smtClean="0"/>
-              <a:t>Diskutiert die verschiedenen Sichtweisen. Diese </a:t>
+              <a:t>Dann wird die </a:t>
             </a:r>
             <a:r>
               <a:rPr lang="de-DE" dirty="0"/>
-              <a:t>Diskussionen </a:t>
+              <a:t>zu </a:t>
+            </a:r>
+            <a:r>
+              <a:rPr lang="de-DE" dirty="0" err="1"/>
+              <a:t>beschätzende</a:t>
+            </a:r>
+            <a:r>
+              <a:rPr lang="de-DE" dirty="0"/>
+              <a:t> </a:t>
+            </a:r>
+            <a:r>
+              <a:rPr lang="de-DE" dirty="0" err="1" smtClean="0"/>
+              <a:t>Fähigkeitenkategorie</a:t>
+            </a:r>
+            <a:r>
+              <a:rPr lang="de-DE" dirty="0"/>
+              <a:t> </a:t>
             </a:r>
             <a:r>
               <a:rPr lang="de-DE" dirty="0" smtClean="0"/>
-              <a:t>mit dem Austausch der Perspektiven sind </a:t>
+              <a:t>genannt </a:t>
             </a:r>
             <a:r>
               <a:rPr lang="de-DE" dirty="0"/>
-              <a:t>das Wertvollste in diesem </a:t>
+              <a:t>und alle Teilnehmer heben auf ein Signal hin gleichzeitig die Karte mit dem Wert hoch, der ihrer Meinung nach die aktuelle Ausprägung der Fähigkeit im Team wiederspiegelt. Danach äußert jeweils derjenige mit der höchsten und der mit der niedrigsten Bewertung seine </a:t>
             </a:r>
             <a:r>
               <a:rPr lang="de-DE" dirty="0" smtClean="0"/>
-              <a:t>Workshop, denn das Team kann sich auf diese mit den unterschiedlichen Sichtweisen auseinandersetzen und zu einer </a:t>
-            </a:r>
-            <a:r>
-              <a:rPr lang="de-DE" dirty="0" err="1" smtClean="0"/>
-              <a:t>fundierteren</a:t>
-            </a:r>
-            <a:r>
-              <a:rPr lang="de-DE" dirty="0" smtClean="0"/>
-              <a:t> </a:t>
-            </a:r>
-            <a:r>
-              <a:rPr lang="de-DE" dirty="0"/>
-              <a:t>B</a:t>
-            </a:r>
-            <a:r>
-              <a:rPr lang="de-DE" dirty="0" smtClean="0"/>
-              <a:t>ewertung kommen.</a:t>
+              <a:t>Argumente.</a:t>
             </a:r>
           </a:p>
           <a:p>
@@ -4514,42 +4447,31 @@
             </a:pPr>
             <a:r>
               <a:rPr lang="de-DE" dirty="0" smtClean="0"/>
-              <a:t>Bewertet </a:t>
+              <a:t>Diskutiert </a:t>
             </a:r>
             <a:r>
               <a:rPr lang="de-DE" dirty="0"/>
-              <a:t>nach einer kurzen Diskussionsrunde </a:t>
+              <a:t>die verschiedenen Sichtweisen zu dieser </a:t>
+            </a:r>
+            <a:r>
+              <a:rPr lang="de-DE" dirty="0" err="1"/>
+              <a:t>Fähigkeitenkategorie</a:t>
+            </a:r>
+            <a:r>
+              <a:rPr lang="de-DE" dirty="0"/>
+              <a:t>. Diese Diskussionen mit dem Austausch der Perspektiven sind das Wertvollste in diesem Workshop, denn das Team kann sich auf diese mit den unterschiedlichen Sichtweisen auseinandersetzen und zu einer </a:t>
+            </a:r>
+            <a:r>
+              <a:rPr lang="de-DE" dirty="0" err="1"/>
+              <a:t>fundierteren</a:t>
+            </a:r>
+            <a:r>
+              <a:rPr lang="de-DE" dirty="0"/>
+              <a:t> Bewertung </a:t>
             </a:r>
             <a:r>
               <a:rPr lang="de-DE" dirty="0" smtClean="0"/>
-              <a:t>noch einmal </a:t>
-            </a:r>
-            <a:r>
-              <a:rPr lang="de-DE" dirty="0"/>
-              <a:t>und wiederholt </a:t>
-            </a:r>
-            <a:r>
-              <a:rPr lang="de-DE" dirty="0" smtClean="0"/>
-              <a:t>dieses</a:t>
-            </a:r>
-            <a:br>
-              <a:rPr lang="de-DE" dirty="0" smtClean="0"/>
-            </a:br>
-            <a:r>
-              <a:rPr lang="de-DE" dirty="0" smtClean="0"/>
-              <a:t> </a:t>
-            </a:r>
-            <a:r>
-              <a:rPr lang="de-DE" dirty="0"/>
-              <a:t>Vorgehen </a:t>
-            </a:r>
-            <a:r>
-              <a:rPr lang="de-DE" dirty="0" smtClean="0"/>
-              <a:t>solange, </a:t>
-            </a:r>
-            <a:r>
-              <a:rPr lang="de-DE" dirty="0"/>
-              <a:t>bis Ihr Euch als Team auf eine gemeinsame Größe einigen könnt. </a:t>
+              <a:t>kommen.</a:t>
             </a:r>
           </a:p>
           <a:p>
@@ -4563,42 +4485,19 @@
             </a:pPr>
             <a:r>
               <a:rPr lang="de-DE" dirty="0" smtClean="0"/>
-              <a:t>Nachdem Ihr auch </a:t>
+              <a:t>Bewertet </a:t>
             </a:r>
             <a:r>
               <a:rPr lang="de-DE" dirty="0"/>
-              <a:t>das Backbone der Story </a:t>
-            </a:r>
-            <a:r>
-              <a:rPr lang="de-DE" dirty="0" err="1"/>
-              <a:t>Map</a:t>
+              <a:t>nach einer kurzen Diskussionsrunde noch einmal und wiederholt dieses Vorgehen solange, bis Ihr Euch als Team auf eine gemeinsame Größe einigen könnt</a:t>
+            </a:r>
+            <a:r>
+              <a:rPr lang="de-DE" dirty="0" smtClean="0"/>
+              <a:t>.  </a:t>
             </a:r>
             <a:r>
               <a:rPr lang="de-DE" dirty="0"/>
-              <a:t> </a:t>
-            </a:r>
-            <a:r>
-              <a:rPr lang="de-DE" dirty="0" smtClean="0"/>
-              <a:t>– die Oberbegriffe der Cluster - </a:t>
-            </a:r>
-            <a:r>
-              <a:rPr lang="de-DE" dirty="0" err="1" smtClean="0"/>
-              <a:t>beschätzt</a:t>
-            </a:r>
-            <a:r>
-              <a:rPr lang="de-DE" dirty="0" smtClean="0"/>
-              <a:t> </a:t>
-            </a:r>
-            <a:br>
-              <a:rPr lang="de-DE" dirty="0" smtClean="0"/>
-            </a:br>
-            <a:r>
-              <a:rPr lang="de-DE" dirty="0" smtClean="0"/>
-              <a:t>habt, könnt </a:t>
-            </a:r>
-            <a:r>
-              <a:rPr lang="de-DE" dirty="0"/>
-              <a:t>ihr daraus ein Radar Chart generieren. Jede </a:t>
+              <a:t>Danach wird die nächste </a:t>
             </a:r>
             <a:r>
               <a:rPr lang="de-DE" dirty="0" err="1"/>
@@ -4606,110 +4505,16 @@
             </a:r>
             <a:r>
               <a:rPr lang="de-DE" dirty="0"/>
-              <a:t> ist eine Achse </a:t>
-            </a:r>
-            <a:r>
-              <a:rPr lang="de-DE" dirty="0" smtClean="0"/>
-              <a:t/>
-            </a:r>
-            <a:br>
-              <a:rPr lang="de-DE" dirty="0" smtClean="0"/>
-            </a:br>
-            <a:r>
-              <a:rPr lang="de-DE" dirty="0" smtClean="0"/>
-              <a:t>im </a:t>
+              <a:t> im Backbone auf die gleiche Weise </a:t>
+            </a:r>
+            <a:r>
+              <a:rPr lang="de-DE" dirty="0" err="1"/>
+              <a:t>beschätzt</a:t>
             </a:r>
             <a:r>
               <a:rPr lang="de-DE" dirty="0"/>
-              <a:t>Radar </a:t>
-            </a:r>
-            <a:r>
-              <a:rPr lang="de-DE" dirty="0" smtClean="0"/>
-              <a:t>Chart (vgl. </a:t>
-            </a:r>
-            <a:r>
-              <a:rPr lang="de-DE" dirty="0" err="1" smtClean="0"/>
-              <a:t>Skill</a:t>
-            </a:r>
-            <a:r>
-              <a:rPr lang="de-DE" dirty="0" smtClean="0"/>
-              <a:t> </a:t>
-            </a:r>
-            <a:r>
-              <a:rPr lang="de-DE" dirty="0"/>
-              <a:t>R</a:t>
-            </a:r>
-            <a:r>
-              <a:rPr lang="de-DE" dirty="0" smtClean="0"/>
-              <a:t>adar (TEA 06), wobei die Werte nun aus dem </a:t>
-            </a:r>
-            <a:r>
-              <a:rPr lang="de-DE" dirty="0" err="1" smtClean="0"/>
-              <a:t>Planning</a:t>
-            </a:r>
-            <a:r>
-              <a:rPr lang="de-DE" dirty="0" smtClean="0"/>
-              <a:t> Poker kommen).</a:t>
-            </a:r>
-          </a:p>
-          <a:p>
-            <a:pPr>
-              <a:lnSpc>
-                <a:spcPts val="1200"/>
-              </a:lnSpc>
-              <a:spcBef>
-                <a:spcPts val="500"/>
-              </a:spcBef>
-            </a:pPr>
-            <a:r>
-              <a:rPr lang="de-DE" dirty="0"/>
-              <a:t>Arbeitet nach dem Workshop mit dem Move "Drain </a:t>
-            </a:r>
-            <a:r>
-              <a:rPr lang="de-DE" dirty="0" err="1"/>
-              <a:t>Snake</a:t>
-            </a:r>
-            <a:r>
-              <a:rPr lang="de-DE" dirty="0"/>
-              <a:t>" (IDE 10) weiter und diskutiert die neuen Aspekte 2 Mal pro Woche in einem kurzen Stand </a:t>
-            </a:r>
-            <a:r>
-              <a:rPr lang="de-DE" dirty="0" err="1"/>
-              <a:t>Up</a:t>
-            </a:r>
-            <a:r>
-              <a:rPr lang="de-DE" dirty="0"/>
-              <a:t> </a:t>
-            </a:r>
-            <a:r>
-              <a:rPr lang="de-DE" dirty="0" err="1"/>
-              <a:t>meeting</a:t>
-            </a:r>
-            <a:r>
-              <a:rPr lang="de-DE" dirty="0"/>
-              <a:t> mit dem gesamten </a:t>
-            </a:r>
-            <a:r>
-              <a:rPr lang="de-DE" dirty="0" smtClean="0"/>
-              <a:t>Team und </a:t>
-            </a:r>
-            <a:r>
-              <a:rPr lang="de-DE" dirty="0" err="1" smtClean="0"/>
-              <a:t>modifizert</a:t>
-            </a:r>
-            <a:r>
-              <a:rPr lang="de-DE" dirty="0" smtClean="0"/>
-              <a:t> ggf. das </a:t>
-            </a:r>
-            <a:r>
-              <a:rPr lang="de-DE" dirty="0"/>
-              <a:t>R</a:t>
-            </a:r>
-            <a:r>
-              <a:rPr lang="de-DE" dirty="0" smtClean="0"/>
-              <a:t>adar Chart, so dass es für alle passt..</a:t>
-            </a:r>
-            <a:endParaRPr lang="de-DE" dirty="0"/>
+              <a:t>.</a:t>
+            </a:r>
           </a:p>
           <a:p>
             <a:pPr>
@@ -4721,20 +4526,6 @@
               </a:spcBef>
             </a:pPr>
             <a:endParaRPr lang="de-DE" dirty="0"/>
-          </a:p>
-          <a:p>
-            <a:pPr>
-              <a:lnSpc>
-                <a:spcPts val="1200"/>
-              </a:lnSpc>
-              <a:spcBef>
-                <a:spcPts val="600"/>
-              </a:spcBef>
-            </a:pPr>
-            <a:r>
-              <a:rPr lang="de-DE" dirty="0"/>
-              <a:t> </a:t>
-            </a:r>
           </a:p>
         </p:txBody>
       </p:sp>
